--- a/week2_UnixII/week2.pptx
+++ b/week2_UnixII/week2.pptx
@@ -232,7 +232,7 @@
           <a:p>
             <a:fld id="{B2232C89-3CE2-794F-879C-0967E0975631}" type="datetimeFigureOut">
               <a:rPr lang="en-US" smtClean="0"/>
-              <a:t>8/30/21</a:t>
+              <a:t>9/5/22</a:t>
             </a:fld>
             <a:endParaRPr lang="en-US"/>
           </a:p>
@@ -1098,7 +1098,7 @@
           <a:p>
             <a:fld id="{92B9ACA4-847D-214F-8693-F6FBD8D9F22E}" type="datetimeFigureOut">
               <a:rPr lang="en-US" smtClean="0"/>
-              <a:t>8/30/21</a:t>
+              <a:t>9/5/22</a:t>
             </a:fld>
             <a:endParaRPr lang="en-US"/>
           </a:p>
@@ -1266,7 +1266,7 @@
           <a:p>
             <a:fld id="{92B9ACA4-847D-214F-8693-F6FBD8D9F22E}" type="datetimeFigureOut">
               <a:rPr lang="en-US" smtClean="0"/>
-              <a:t>8/30/21</a:t>
+              <a:t>9/5/22</a:t>
             </a:fld>
             <a:endParaRPr lang="en-US"/>
           </a:p>
@@ -1444,7 +1444,7 @@
           <a:p>
             <a:fld id="{92B9ACA4-847D-214F-8693-F6FBD8D9F22E}" type="datetimeFigureOut">
               <a:rPr lang="en-US" smtClean="0"/>
-              <a:t>8/30/21</a:t>
+              <a:t>9/5/22</a:t>
             </a:fld>
             <a:endParaRPr lang="en-US"/>
           </a:p>
@@ -1612,7 +1612,7 @@
           <a:p>
             <a:fld id="{92B9ACA4-847D-214F-8693-F6FBD8D9F22E}" type="datetimeFigureOut">
               <a:rPr lang="en-US" smtClean="0"/>
-              <a:t>8/30/21</a:t>
+              <a:t>9/5/22</a:t>
             </a:fld>
             <a:endParaRPr lang="en-US"/>
           </a:p>
@@ -1857,7 +1857,7 @@
           <a:p>
             <a:fld id="{92B9ACA4-847D-214F-8693-F6FBD8D9F22E}" type="datetimeFigureOut">
               <a:rPr lang="en-US" smtClean="0"/>
-              <a:t>8/30/21</a:t>
+              <a:t>9/5/22</a:t>
             </a:fld>
             <a:endParaRPr lang="en-US"/>
           </a:p>
@@ -2142,7 +2142,7 @@
           <a:p>
             <a:fld id="{92B9ACA4-847D-214F-8693-F6FBD8D9F22E}" type="datetimeFigureOut">
               <a:rPr lang="en-US" smtClean="0"/>
-              <a:t>8/30/21</a:t>
+              <a:t>9/5/22</a:t>
             </a:fld>
             <a:endParaRPr lang="en-US"/>
           </a:p>
@@ -2561,7 +2561,7 @@
           <a:p>
             <a:fld id="{92B9ACA4-847D-214F-8693-F6FBD8D9F22E}" type="datetimeFigureOut">
               <a:rPr lang="en-US" smtClean="0"/>
-              <a:t>8/30/21</a:t>
+              <a:t>9/5/22</a:t>
             </a:fld>
             <a:endParaRPr lang="en-US"/>
           </a:p>
@@ -2678,7 +2678,7 @@
           <a:p>
             <a:fld id="{92B9ACA4-847D-214F-8693-F6FBD8D9F22E}" type="datetimeFigureOut">
               <a:rPr lang="en-US" smtClean="0"/>
-              <a:t>8/30/21</a:t>
+              <a:t>9/5/22</a:t>
             </a:fld>
             <a:endParaRPr lang="en-US"/>
           </a:p>
@@ -2773,7 +2773,7 @@
           <a:p>
             <a:fld id="{92B9ACA4-847D-214F-8693-F6FBD8D9F22E}" type="datetimeFigureOut">
               <a:rPr lang="en-US" smtClean="0"/>
-              <a:t>8/30/21</a:t>
+              <a:t>9/5/22</a:t>
             </a:fld>
             <a:endParaRPr lang="en-US"/>
           </a:p>
@@ -3048,7 +3048,7 @@
           <a:p>
             <a:fld id="{92B9ACA4-847D-214F-8693-F6FBD8D9F22E}" type="datetimeFigureOut">
               <a:rPr lang="en-US" smtClean="0"/>
-              <a:t>8/30/21</a:t>
+              <a:t>9/5/22</a:t>
             </a:fld>
             <a:endParaRPr lang="en-US"/>
           </a:p>
@@ -3300,7 +3300,7 @@
           <a:p>
             <a:fld id="{92B9ACA4-847D-214F-8693-F6FBD8D9F22E}" type="datetimeFigureOut">
               <a:rPr lang="en-US" smtClean="0"/>
-              <a:t>8/30/21</a:t>
+              <a:t>9/5/22</a:t>
             </a:fld>
             <a:endParaRPr lang="en-US"/>
           </a:p>
@@ -3511,7 +3511,7 @@
           <a:p>
             <a:fld id="{92B9ACA4-847D-214F-8693-F6FBD8D9F22E}" type="datetimeFigureOut">
               <a:rPr lang="en-US" smtClean="0"/>
-              <a:t>8/30/21</a:t>
+              <a:t>9/5/22</a:t>
             </a:fld>
             <a:endParaRPr lang="en-US"/>
           </a:p>
@@ -4613,7 +4613,7 @@
         </p:nvSpPr>
         <p:spPr>
           <a:xfrm>
-            <a:off x="556456" y="5524330"/>
+            <a:off x="532818" y="5251061"/>
             <a:ext cx="8220074" cy="923330"/>
           </a:xfrm>
           <a:prstGeom prst="rect">
@@ -4721,6 +4721,51 @@
           </a:prstGeom>
         </p:spPr>
       </p:pic>
+      <p:sp>
+        <p:nvSpPr>
+          <p:cNvPr id="2" name="TextBox 1">
+            <a:extLst>
+              <a:ext uri="{FF2B5EF4-FFF2-40B4-BE49-F238E27FC236}">
+                <a16:creationId xmlns:a16="http://schemas.microsoft.com/office/drawing/2014/main" id="{036F8B94-4AA0-3196-E37F-8D1AB7488C30}"/>
+              </a:ext>
+            </a:extLst>
+          </p:cNvPr>
+          <p:cNvSpPr txBox="1"/>
+          <p:nvPr/>
+        </p:nvSpPr>
+        <p:spPr>
+          <a:xfrm>
+            <a:off x="117066" y="6029901"/>
+            <a:ext cx="8909868" cy="646331"/>
+          </a:xfrm>
+          <a:prstGeom prst="rect">
+            <a:avLst/>
+          </a:prstGeom>
+          <a:noFill/>
+          <a:ln>
+            <a:solidFill>
+              <a:schemeClr val="tx1">
+                <a:lumMod val="75000"/>
+                <a:lumOff val="25000"/>
+              </a:schemeClr>
+            </a:solidFill>
+          </a:ln>
+        </p:spPr>
+        <p:txBody>
+          <a:bodyPr wrap="square" rtlCol="0">
+            <a:spAutoFit/>
+          </a:bodyPr>
+          <a:lstStyle/>
+          <a:p>
+            <a:r>
+              <a:rPr lang="en-US" dirty="0">
+                <a:latin typeface="Helvetica Light" panose="020B0403020202020204" pitchFamily="34" charset="0"/>
+              </a:rPr>
+              <a:t>I suggest setting whichever text editor you choose as the default for opening .txt files on your machine</a:t>
+            </a:r>
+          </a:p>
+        </p:txBody>
+      </p:sp>
     </p:spTree>
     <p:extLst>
       <p:ext uri="{BB962C8B-B14F-4D97-AF65-F5344CB8AC3E}">
@@ -5398,7 +5443,7 @@
         <p:spPr>
           <a:xfrm>
             <a:off x="1155700" y="5204079"/>
-            <a:ext cx="6019597" cy="923330"/>
+            <a:ext cx="6558206" cy="923330"/>
           </a:xfrm>
           <a:prstGeom prst="rect">
             <a:avLst/>
@@ -5415,7 +5460,19 @@
               <a:rPr lang="en-US" dirty="0">
                 <a:latin typeface="Helvetica Light" panose="020B0403020202020204" pitchFamily="34" charset="0"/>
               </a:rPr>
-              <a:t>You can change line endings simply in Text Wrangler. </a:t>
+              <a:t>You can change line endings simply in Text Wrangler/</a:t>
+            </a:r>
+            <a:r>
+              <a:rPr lang="en-US" dirty="0" err="1">
+                <a:latin typeface="Helvetica Light" panose="020B0403020202020204" pitchFamily="34" charset="0"/>
+              </a:rPr>
+              <a:t>BBedit</a:t>
+            </a:r>
+            <a:r>
+              <a:rPr lang="en-US" dirty="0">
+                <a:latin typeface="Helvetica Light" panose="020B0403020202020204" pitchFamily="34" charset="0"/>
+              </a:rPr>
+              <a:t>. </a:t>
             </a:r>
           </a:p>
           <a:p>
@@ -6448,7 +6505,19 @@
               <a:rPr lang="en-US" sz="2600" dirty="0">
                 <a:latin typeface="Helvetica Light" panose="020B0403020202020204" pitchFamily="34" charset="0"/>
               </a:rPr>
-              <a:t>- Go through all of Unix Part 1, and be prepared for Unix Part 2 to be very helpful.</a:t>
+              <a:t>- Go through all of</a:t>
+            </a:r>
+            <a:r>
+              <a:rPr lang="en-US" sz="2600" b="1" dirty="0">
+                <a:latin typeface="Helvetica Light" panose="020B0403020202020204" pitchFamily="34" charset="0"/>
+              </a:rPr>
+              <a:t> Unix Part 1</a:t>
+            </a:r>
+            <a:r>
+              <a:rPr lang="en-US" sz="2600" dirty="0">
+                <a:latin typeface="Helvetica Light" panose="020B0403020202020204" pitchFamily="34" charset="0"/>
+              </a:rPr>
+              <a:t> and be prepared for Unix Part 2 to be very helpful.</a:t>
             </a:r>
           </a:p>
           <a:p>
@@ -6765,13 +6834,7 @@
               <a:rPr lang="en-US" dirty="0">
                 <a:latin typeface="Helvetica Light" panose="020B0403020202020204" pitchFamily="34" charset="0"/>
               </a:rPr>
-              <a:t>#</a:t>
-            </a:r>
-            <a:r>
-              <a:rPr lang="en-US" dirty="0">
-                <a:latin typeface="Helvetica Light" panose="020B0403020202020204" pitchFamily="34" charset="0"/>
-              </a:rPr>
-              <a:t>writes the first 1000 lines to a new file</a:t>
+              <a:t>#writes the first 1000 lines to a new file</a:t>
             </a:r>
           </a:p>
         </p:txBody>
@@ -6838,7 +6901,7 @@
               <a:rPr lang="en-US" sz="2800" dirty="0">
                 <a:latin typeface="Helvetica Light" panose="020B0403020202020204" pitchFamily="34" charset="0"/>
               </a:rPr>
-              <a:t>: regular expression engine, text extraction.</a:t>
+              <a:t>: regular expression engine, text extraction</a:t>
             </a:r>
           </a:p>
           <a:p>
@@ -6907,17 +6970,8 @@
               <a:rPr lang="en-US" sz="2000" dirty="0">
                 <a:latin typeface="Helvetica Light" panose="020B0403020202020204" pitchFamily="34" charset="0"/>
               </a:rPr>
-              <a:t>The pattern can be an exact pattern, or a flexible regular expression, which we will learn about A LOT more when we start learning </a:t>
-            </a:r>
-            <a:r>
-              <a:rPr lang="en-US" sz="2000" dirty="0" err="1">
-                <a:latin typeface="Helvetica Light" panose="020B0403020202020204" pitchFamily="34" charset="0"/>
-              </a:rPr>
-              <a:t>perl</a:t>
-            </a:r>
-            <a:endParaRPr lang="en-US" sz="2000" dirty="0">
-              <a:latin typeface="Helvetica Light" panose="020B0403020202020204" pitchFamily="34" charset="0"/>
-            </a:endParaRPr>
+              <a:t>The pattern can be an exact pattern, or a flexible regular expression, which we will learn about A LOT more when we start learning python</a:t>
+            </a:r>
           </a:p>
         </p:txBody>
       </p:sp>
@@ -8272,7 +8326,7 @@
         <p:spPr>
           <a:xfrm>
             <a:off x="347133" y="1228252"/>
-            <a:ext cx="8111067" cy="4154984"/>
+            <a:ext cx="8111067" cy="4832092"/>
           </a:xfrm>
           <a:prstGeom prst="rect">
             <a:avLst/>
@@ -8335,6 +8389,32 @@
                 <a:latin typeface="Helvetica Light" panose="020B0403020202020204" pitchFamily="34" charset="0"/>
               </a:rPr>
               <a:t>/current.html#part1). </a:t>
+            </a:r>
+          </a:p>
+          <a:p>
+            <a:endParaRPr lang="en-US" sz="2200" dirty="0">
+              <a:latin typeface="Helvetica Light" panose="020B0403020202020204" pitchFamily="34" charset="0"/>
+            </a:endParaRPr>
+          </a:p>
+          <a:p>
+            <a:endParaRPr lang="en-US" sz="2200" dirty="0">
+              <a:latin typeface="Helvetica Light" panose="020B0403020202020204" pitchFamily="34" charset="0"/>
+            </a:endParaRPr>
+          </a:p>
+          <a:p>
+            <a:r>
+              <a:rPr lang="en-US" sz="2200" dirty="0">
+                <a:latin typeface="Helvetica Light" panose="020B0403020202020204" pitchFamily="34" charset="0"/>
+              </a:rPr>
+              <a:t>2. Feel solid about chapters 4 and 5 in Haddock and Dunn, </a:t>
+            </a:r>
+          </a:p>
+          <a:p>
+            <a:r>
+              <a:rPr lang="en-US" sz="2200" dirty="0">
+                <a:latin typeface="Helvetica Light" panose="020B0403020202020204" pitchFamily="34" charset="0"/>
+              </a:rPr>
+              <a:t>    have a peek at Chapter 16.</a:t>
             </a:r>
           </a:p>
           <a:p>
@@ -8358,35 +8438,27 @@
               <a:rPr lang="en-US" sz="2200" dirty="0">
                 <a:latin typeface="Helvetica Light" panose="020B0403020202020204" pitchFamily="34" charset="0"/>
               </a:rPr>
-              <a:t>2. Feel solid about chapters 4 and 5 in Haddock and Dunn, have a peek at Chapter 16.</a:t>
-            </a:r>
-          </a:p>
-          <a:p>
-            <a:pPr marL="342900" indent="-342900">
-              <a:buAutoNum type="arabicPeriod"/>
-            </a:pPr>
-            <a:endParaRPr lang="en-US" sz="2200" dirty="0">
-              <a:latin typeface="Helvetica Light" panose="020B0403020202020204" pitchFamily="34" charset="0"/>
-            </a:endParaRPr>
-          </a:p>
-          <a:p>
+              <a:t>3. Go thoroughly through </a:t>
+            </a:r>
+            <a:r>
+              <a:rPr lang="en-US" sz="2200" dirty="0" err="1">
+                <a:latin typeface="Helvetica Light" panose="020B0403020202020204" pitchFamily="34" charset="0"/>
+              </a:rPr>
+              <a:t>unixII_primer.md</a:t>
+            </a:r>
             <a:r>
               <a:rPr lang="en-US" sz="2200" dirty="0">
                 <a:latin typeface="Helvetica Light" panose="020B0403020202020204" pitchFamily="34" charset="0"/>
               </a:rPr>
-              <a:t>3. Go thoroughly through </a:t>
-            </a:r>
-            <a:r>
-              <a:rPr lang="en-US" sz="2200" dirty="0" err="1">
-                <a:latin typeface="Helvetica Light" panose="020B0403020202020204" pitchFamily="34" charset="0"/>
-              </a:rPr>
-              <a:t>unixII_primer.md</a:t>
-            </a:r>
+              <a:t>, and</a:t>
+            </a:r>
+          </a:p>
+          <a:p>
             <a:r>
               <a:rPr lang="en-US" sz="2200" dirty="0">
                 <a:latin typeface="Helvetica Light" panose="020B0403020202020204" pitchFamily="34" charset="0"/>
               </a:rPr>
-              <a:t>, and unix_assignment_2.md.</a:t>
+              <a:t>    unix_assignment_2.md.</a:t>
             </a:r>
           </a:p>
           <a:p>
@@ -8394,9 +8466,17 @@
               <a:rPr lang="en-US" sz="2200" dirty="0">
                 <a:latin typeface="Helvetica Light" panose="020B0403020202020204" pitchFamily="34" charset="0"/>
               </a:rPr>
-              <a:t>	**Note, I won’t ask you to turn anything in this week, but may starting next week.</a:t>
-            </a:r>
-            <a:endParaRPr lang="en-US" dirty="0"/>
+              <a:t>	</a:t>
+            </a:r>
+          </a:p>
+          <a:p>
+            <a:r>
+              <a:rPr lang="en-US" sz="2000" dirty="0">
+                <a:latin typeface="Helvetica Light" panose="020B0403020202020204" pitchFamily="34" charset="0"/>
+              </a:rPr>
+              <a:t>**Note, I won’t ask you to turn anything in this week but may starting next week.</a:t>
+            </a:r>
+            <a:endParaRPr lang="en-US" sz="2000" dirty="0"/>
           </a:p>
         </p:txBody>
       </p:sp>
@@ -10036,7 +10116,7 @@
         </p:nvSpPr>
         <p:spPr>
           <a:xfrm>
-            <a:off x="284197" y="2846153"/>
+            <a:off x="284197" y="2639627"/>
             <a:ext cx="8483883" cy="1785104"/>
           </a:xfrm>
           <a:prstGeom prst="rect">
@@ -10112,16 +10192,34 @@
               <a:t>file from under </a:t>
             </a:r>
             <a:r>
-              <a:rPr lang="en-US" sz="2200" dirty="0" err="1">
-                <a:latin typeface="Helvetica Light" panose="020B0403020202020204" pitchFamily="34" charset="0"/>
-              </a:rPr>
-              <a:t>day_one</a:t>
+              <a:rPr lang="en-US" sz="2200" b="1" dirty="0">
+                <a:latin typeface="Helvetica Light" panose="020B0403020202020204" pitchFamily="34" charset="0"/>
+              </a:rPr>
+              <a:t>week2_unixII </a:t>
             </a:r>
             <a:r>
               <a:rPr lang="en-US" sz="2200" dirty="0">
                 <a:latin typeface="Helvetica Light" panose="020B0403020202020204" pitchFamily="34" charset="0"/>
               </a:rPr>
-              <a:t> on the course page.</a:t>
+              <a:t>or </a:t>
+            </a:r>
+            <a:r>
+              <a:rPr lang="en-US" sz="2200" b="1" dirty="0" err="1">
+                <a:latin typeface="Helvetica Light" panose="020B0403020202020204" pitchFamily="34" charset="0"/>
+              </a:rPr>
+              <a:t>unix_resources</a:t>
+            </a:r>
+            <a:r>
+              <a:rPr lang="en-US" sz="2200" b="1" dirty="0">
+                <a:latin typeface="Helvetica Light" panose="020B0403020202020204" pitchFamily="34" charset="0"/>
+              </a:rPr>
+              <a:t> </a:t>
+            </a:r>
+            <a:r>
+              <a:rPr lang="en-US" sz="2200" dirty="0">
+                <a:latin typeface="Helvetica Light" panose="020B0403020202020204" pitchFamily="34" charset="0"/>
+              </a:rPr>
+              <a:t>on the course page.</a:t>
             </a:r>
           </a:p>
         </p:txBody>

--- a/week2_UnixII/week2.pptx
+++ b/week2_UnixII/week2.pptx
@@ -232,7 +232,7 @@
           <a:p>
             <a:fld id="{B2232C89-3CE2-794F-879C-0967E0975631}" type="datetimeFigureOut">
               <a:rPr lang="en-US" smtClean="0"/>
-              <a:t>9/5/22</a:t>
+              <a:t>9/6/22</a:t>
             </a:fld>
             <a:endParaRPr lang="en-US"/>
           </a:p>
@@ -1098,7 +1098,7 @@
           <a:p>
             <a:fld id="{92B9ACA4-847D-214F-8693-F6FBD8D9F22E}" type="datetimeFigureOut">
               <a:rPr lang="en-US" smtClean="0"/>
-              <a:t>9/5/22</a:t>
+              <a:t>9/6/22</a:t>
             </a:fld>
             <a:endParaRPr lang="en-US"/>
           </a:p>
@@ -1266,7 +1266,7 @@
           <a:p>
             <a:fld id="{92B9ACA4-847D-214F-8693-F6FBD8D9F22E}" type="datetimeFigureOut">
               <a:rPr lang="en-US" smtClean="0"/>
-              <a:t>9/5/22</a:t>
+              <a:t>9/6/22</a:t>
             </a:fld>
             <a:endParaRPr lang="en-US"/>
           </a:p>
@@ -1444,7 +1444,7 @@
           <a:p>
             <a:fld id="{92B9ACA4-847D-214F-8693-F6FBD8D9F22E}" type="datetimeFigureOut">
               <a:rPr lang="en-US" smtClean="0"/>
-              <a:t>9/5/22</a:t>
+              <a:t>9/6/22</a:t>
             </a:fld>
             <a:endParaRPr lang="en-US"/>
           </a:p>
@@ -1612,7 +1612,7 @@
           <a:p>
             <a:fld id="{92B9ACA4-847D-214F-8693-F6FBD8D9F22E}" type="datetimeFigureOut">
               <a:rPr lang="en-US" smtClean="0"/>
-              <a:t>9/5/22</a:t>
+              <a:t>9/6/22</a:t>
             </a:fld>
             <a:endParaRPr lang="en-US"/>
           </a:p>
@@ -1857,7 +1857,7 @@
           <a:p>
             <a:fld id="{92B9ACA4-847D-214F-8693-F6FBD8D9F22E}" type="datetimeFigureOut">
               <a:rPr lang="en-US" smtClean="0"/>
-              <a:t>9/5/22</a:t>
+              <a:t>9/6/22</a:t>
             </a:fld>
             <a:endParaRPr lang="en-US"/>
           </a:p>
@@ -2142,7 +2142,7 @@
           <a:p>
             <a:fld id="{92B9ACA4-847D-214F-8693-F6FBD8D9F22E}" type="datetimeFigureOut">
               <a:rPr lang="en-US" smtClean="0"/>
-              <a:t>9/5/22</a:t>
+              <a:t>9/6/22</a:t>
             </a:fld>
             <a:endParaRPr lang="en-US"/>
           </a:p>
@@ -2561,7 +2561,7 @@
           <a:p>
             <a:fld id="{92B9ACA4-847D-214F-8693-F6FBD8D9F22E}" type="datetimeFigureOut">
               <a:rPr lang="en-US" smtClean="0"/>
-              <a:t>9/5/22</a:t>
+              <a:t>9/6/22</a:t>
             </a:fld>
             <a:endParaRPr lang="en-US"/>
           </a:p>
@@ -2678,7 +2678,7 @@
           <a:p>
             <a:fld id="{92B9ACA4-847D-214F-8693-F6FBD8D9F22E}" type="datetimeFigureOut">
               <a:rPr lang="en-US" smtClean="0"/>
-              <a:t>9/5/22</a:t>
+              <a:t>9/6/22</a:t>
             </a:fld>
             <a:endParaRPr lang="en-US"/>
           </a:p>
@@ -2773,7 +2773,7 @@
           <a:p>
             <a:fld id="{92B9ACA4-847D-214F-8693-F6FBD8D9F22E}" type="datetimeFigureOut">
               <a:rPr lang="en-US" smtClean="0"/>
-              <a:t>9/5/22</a:t>
+              <a:t>9/6/22</a:t>
             </a:fld>
             <a:endParaRPr lang="en-US"/>
           </a:p>
@@ -3048,7 +3048,7 @@
           <a:p>
             <a:fld id="{92B9ACA4-847D-214F-8693-F6FBD8D9F22E}" type="datetimeFigureOut">
               <a:rPr lang="en-US" smtClean="0"/>
-              <a:t>9/5/22</a:t>
+              <a:t>9/6/22</a:t>
             </a:fld>
             <a:endParaRPr lang="en-US"/>
           </a:p>
@@ -3300,7 +3300,7 @@
           <a:p>
             <a:fld id="{92B9ACA4-847D-214F-8693-F6FBD8D9F22E}" type="datetimeFigureOut">
               <a:rPr lang="en-US" smtClean="0"/>
-              <a:t>9/5/22</a:t>
+              <a:t>9/6/22</a:t>
             </a:fld>
             <a:endParaRPr lang="en-US"/>
           </a:p>
@@ -3511,7 +3511,7 @@
           <a:p>
             <a:fld id="{92B9ACA4-847D-214F-8693-F6FBD8D9F22E}" type="datetimeFigureOut">
               <a:rPr lang="en-US" smtClean="0"/>
-              <a:t>9/5/22</a:t>
+              <a:t>9/6/22</a:t>
             </a:fld>
             <a:endParaRPr lang="en-US"/>
           </a:p>
@@ -3944,6 +3944,12 @@
               <a:buChar char="-"/>
             </a:pPr>
             <a:r>
+              <a:rPr lang="en-US" sz="2200" dirty="0">
+                <a:latin typeface="Helvetica Light" panose="020B0403020202020204" pitchFamily="34" charset="0"/>
+              </a:rPr>
+              <a:t>more Unix commands and command line arguments, </a:t>
+            </a:r>
+            <a:r>
               <a:rPr lang="en-US" sz="2200" b="1" dirty="0">
                 <a:latin typeface="Helvetica Light" panose="020B0403020202020204" pitchFamily="34" charset="0"/>
               </a:rPr>
@@ -3953,7 +3959,7 @@
               <a:rPr lang="en-US" sz="2200" dirty="0">
                 <a:latin typeface="Helvetica Light" panose="020B0403020202020204" pitchFamily="34" charset="0"/>
               </a:rPr>
-              <a:t> pages, more Unix commands and command line arguments</a:t>
+              <a:t> pages</a:t>
             </a:r>
           </a:p>
           <a:p>
@@ -10746,13 +10752,21 @@
         </p:nvSpPr>
         <p:spPr>
           <a:xfrm>
-            <a:off x="479778" y="4412074"/>
-            <a:ext cx="3066815" cy="923330"/>
+            <a:off x="294952" y="4565989"/>
+            <a:ext cx="3066815" cy="1754326"/>
           </a:xfrm>
           <a:prstGeom prst="rect">
             <a:avLst/>
           </a:prstGeom>
           <a:noFill/>
+          <a:ln>
+            <a:solidFill>
+              <a:schemeClr val="tx1">
+                <a:lumMod val="65000"/>
+                <a:lumOff val="35000"/>
+              </a:schemeClr>
+            </a:solidFill>
+          </a:ln>
         </p:spPr>
         <p:txBody>
           <a:bodyPr wrap="square" rtlCol="0">
@@ -10764,7 +10778,31 @@
               <a:rPr lang="en-US" dirty="0">
                 <a:latin typeface="Helvetica Light" panose="020B0403020202020204" pitchFamily="34" charset="0"/>
               </a:rPr>
-              <a:t>There is a similar python cheat sheet in the same location</a:t>
+              <a:t>**Haddock and Dunn </a:t>
+            </a:r>
+            <a:r>
+              <a:rPr lang="en-US" b="1" dirty="0">
+                <a:latin typeface="Helvetica Light" panose="020B0403020202020204" pitchFamily="34" charset="0"/>
+              </a:rPr>
+              <a:t>Appendix 3 </a:t>
+            </a:r>
+            <a:r>
+              <a:rPr lang="en-US" dirty="0">
+                <a:latin typeface="Helvetica Light" panose="020B0403020202020204" pitchFamily="34" charset="0"/>
+              </a:rPr>
+              <a:t>has a very thorough guide to basic Unix commands (pdf under </a:t>
+            </a:r>
+            <a:r>
+              <a:rPr lang="en-US" dirty="0" err="1">
+                <a:latin typeface="Helvetica Light" panose="020B0403020202020204" pitchFamily="34" charset="0"/>
+              </a:rPr>
+              <a:t>unix_resources</a:t>
+            </a:r>
+            <a:r>
+              <a:rPr lang="en-US" dirty="0">
+                <a:latin typeface="Helvetica Light" panose="020B0403020202020204" pitchFamily="34" charset="0"/>
+              </a:rPr>
+              <a:t> on course page)</a:t>
             </a:r>
           </a:p>
         </p:txBody>

--- a/week2_UnixII/week2.pptx
+++ b/week2_UnixII/week2.pptx
@@ -8524,13 +8524,21 @@
         </p:nvSpPr>
         <p:spPr>
           <a:xfrm>
-            <a:off x="677335" y="1149421"/>
-            <a:ext cx="8033926" cy="646331"/>
+            <a:off x="251486" y="1737551"/>
+            <a:ext cx="8700007" cy="461665"/>
           </a:xfrm>
           <a:prstGeom prst="rect">
             <a:avLst/>
           </a:prstGeom>
           <a:noFill/>
+          <a:ln>
+            <a:solidFill>
+              <a:schemeClr val="tx1">
+                <a:lumMod val="75000"/>
+                <a:lumOff val="25000"/>
+              </a:schemeClr>
+            </a:solidFill>
+          </a:ln>
         </p:spPr>
         <p:txBody>
           <a:bodyPr wrap="square" rtlCol="0">
@@ -8538,12 +8546,27 @@
           </a:bodyPr>
           <a:lstStyle/>
           <a:p>
-            <a:endParaRPr lang="en-US" dirty="0">
-              <a:latin typeface="Helvetica Light" panose="020B0403020202020204" pitchFamily="34" charset="0"/>
-            </a:endParaRPr>
-          </a:p>
-          <a:p>
-            <a:endParaRPr lang="en-US" dirty="0">
+            <a:r>
+              <a:rPr lang="en-US" sz="2400" dirty="0"/>
+              <a:t>$ git clone https://</a:t>
+            </a:r>
+            <a:r>
+              <a:rPr lang="en-US" sz="2400" dirty="0" err="1"/>
+              <a:t>github.com</a:t>
+            </a:r>
+            <a:r>
+              <a:rPr lang="en-US" sz="2400" dirty="0"/>
+              <a:t>/</a:t>
+            </a:r>
+            <a:r>
+              <a:rPr lang="en-US" sz="2400" dirty="0" err="1"/>
+              <a:t>tparchman</a:t>
+            </a:r>
+            <a:r>
+              <a:rPr lang="en-US" sz="2400" dirty="0"/>
+              <a:t>/F22_BIOL792_coursepage</a:t>
+            </a:r>
+            <a:endParaRPr lang="en-US" sz="2400" dirty="0">
               <a:latin typeface="Helvetica Light" panose="020B0403020202020204" pitchFamily="34" charset="0"/>
             </a:endParaRPr>
           </a:p>
@@ -8557,7 +8580,7 @@
         </p:nvSpPr>
         <p:spPr>
           <a:xfrm>
-            <a:off x="1440373" y="949366"/>
+            <a:off x="1408262" y="3782572"/>
             <a:ext cx="6263253" cy="523220"/>
           </a:xfrm>
           <a:prstGeom prst="rect">
@@ -8588,7 +8611,7 @@
         </p:nvSpPr>
         <p:spPr>
           <a:xfrm>
-            <a:off x="782620" y="2296518"/>
+            <a:off x="842776" y="4690374"/>
             <a:ext cx="7394223" cy="1754326"/>
           </a:xfrm>
           <a:prstGeom prst="rect">
@@ -8633,6 +8656,64 @@
                 <a:latin typeface="Helvetica Light" panose="020B0403020202020204" pitchFamily="34" charset="0"/>
               </a:rPr>
               <a:t>As complex as genome assembly pipeline.</a:t>
+            </a:r>
+          </a:p>
+        </p:txBody>
+      </p:sp>
+      <p:sp>
+        <p:nvSpPr>
+          <p:cNvPr id="2" name="TextBox 1">
+            <a:extLst>
+              <a:ext uri="{FF2B5EF4-FFF2-40B4-BE49-F238E27FC236}">
+                <a16:creationId xmlns:a16="http://schemas.microsoft.com/office/drawing/2014/main" id="{CBB5B346-443B-D82F-A17A-E162721518A9}"/>
+              </a:ext>
+            </a:extLst>
+          </p:cNvPr>
+          <p:cNvSpPr txBox="1"/>
+          <p:nvPr/>
+        </p:nvSpPr>
+        <p:spPr>
+          <a:xfrm>
+            <a:off x="450666" y="413300"/>
+            <a:ext cx="8815234" cy="984885"/>
+          </a:xfrm>
+          <a:prstGeom prst="rect">
+            <a:avLst/>
+          </a:prstGeom>
+          <a:noFill/>
+        </p:spPr>
+        <p:txBody>
+          <a:bodyPr wrap="none" rtlCol="0">
+            <a:spAutoFit/>
+          </a:bodyPr>
+          <a:lstStyle/>
+          <a:p>
+            <a:r>
+              <a:rPr lang="en-US" sz="3000" dirty="0">
+                <a:latin typeface="Helvetica Light" panose="020B0403020202020204" pitchFamily="34" charset="0"/>
+              </a:rPr>
+              <a:t>To efficiently pull all files from course </a:t>
+            </a:r>
+            <a:r>
+              <a:rPr lang="en-US" sz="3000" dirty="0" err="1">
+                <a:latin typeface="Helvetica Light" panose="020B0403020202020204" pitchFamily="34" charset="0"/>
+              </a:rPr>
+              <a:t>github</a:t>
+            </a:r>
+            <a:r>
+              <a:rPr lang="en-US" sz="3000" dirty="0">
+                <a:latin typeface="Helvetica Light" panose="020B0403020202020204" pitchFamily="34" charset="0"/>
+              </a:rPr>
+              <a:t> page:</a:t>
+            </a:r>
+          </a:p>
+          <a:p>
+            <a:pPr algn="ctr"/>
+            <a:r>
+              <a:rPr lang="en-US" sz="2600" dirty="0">
+                <a:latin typeface="Helvetica Light" panose="020B0403020202020204" pitchFamily="34" charset="0"/>
+              </a:rPr>
+              <a:t>(explained at bottom of unix1_primer.md, week1)</a:t>
             </a:r>
           </a:p>
         </p:txBody>
